--- a/PAPERS/1.a/owner1/PresentacionXen.pptx
+++ b/PAPERS/1.a/owner1/PresentacionXen.pptx
@@ -15654,8 +15654,8 @@
         </p:nvSpPr>
         <p:spPr>
           <a:xfrm>
-            <a:off x="1054361" y="6053523"/>
-            <a:ext cx="7033713" cy="369332"/>
+            <a:off x="1655893" y="6053523"/>
+            <a:ext cx="5830649" cy="369332"/>
           </a:xfrm>
           <a:prstGeom prst="rect">
             <a:avLst/>
@@ -15694,7 +15694,7 @@
             <a:pPr algn="ctr"/>
             <a:r>
               <a:rPr lang="es-ES" dirty="0"/>
-              <a:t>La mayor parte del tiempo de la CPU se ejecuta en el espacio de usuario</a:t>
+              <a:t>Se requieren muchas actualizaciones en la tabla de páginas</a:t>
             </a:r>
           </a:p>
         </p:txBody>
